--- a/project-kali.pptx
+++ b/project-kali.pptx
@@ -5224,9 +5224,12 @@
           <a:lstStyle/>
           <a:p>
             <a:r>
-              <a:rPr lang="en-US" sz="3200" dirty="0"/>
+              <a:rPr lang="en-US" sz="3200" dirty="0">
+                <a:hlinkClick r:id="rId2"/>
+              </a:rPr>
               <a:t>https://github.com/TARAK-123308/project-kali.git</a:t>
             </a:r>
+            <a:endParaRPr lang="en-US" sz="3200" dirty="0"/>
           </a:p>
         </p:txBody>
       </p:sp>
